--- a/PPT/DeepLearning03-MatPlotLib.pptx
+++ b/PPT/DeepLearning03-MatPlotLib.pptx
@@ -5,21 +5,15 @@
     <p:sldMasterId id="2147483653" r:id="rId1"/>
   </p:sldMasterIdLst>
   <p:notesMasterIdLst>
-    <p:notesMasterId r:id="rId11"/>
+    <p:notesMasterId r:id="rId5"/>
   </p:notesMasterIdLst>
   <p:handoutMasterIdLst>
-    <p:handoutMasterId r:id="rId12"/>
+    <p:handoutMasterId r:id="rId6"/>
   </p:handoutMasterIdLst>
   <p:sldIdLst>
     <p:sldId id="264" r:id="rId2"/>
     <p:sldId id="265" r:id="rId3"/>
     <p:sldId id="266" r:id="rId4"/>
-    <p:sldId id="267" r:id="rId5"/>
-    <p:sldId id="273" r:id="rId6"/>
-    <p:sldId id="274" r:id="rId7"/>
-    <p:sldId id="275" r:id="rId8"/>
-    <p:sldId id="276" r:id="rId9"/>
-    <p:sldId id="270" r:id="rId10"/>
   </p:sldIdLst>
   <p:sldSz cx="9144000" cy="6858000" type="screen4x3"/>
   <p:notesSz cx="6648450" cy="9782175"/>
@@ -3697,11 +3691,7 @@
             <a:pPr eaLnBrk="1" hangingPunct="1"/>
             <a:r>
               <a:rPr lang="fr-FR" altLang="fr-FR" smtClean="0"/>
-              <a:t>Chapitre </a:t>
-            </a:r>
-            <a:r>
-              <a:rPr lang="fr-FR" altLang="fr-FR" smtClean="0"/>
-              <a:t>3</a:t>
+              <a:t>Chapitre 3</a:t>
             </a:r>
             <a:endParaRPr lang="fr-FR" altLang="fr-FR" dirty="0" smtClean="0"/>
           </a:p>
@@ -4054,944 +4044,6 @@
     <p:extLst>
       <p:ext uri="{BB962C8B-B14F-4D97-AF65-F5344CB8AC3E}">
         <p14:creationId xmlns:p14="http://schemas.microsoft.com/office/powerpoint/2010/main" val="490787247"/>
-      </p:ext>
-    </p:extLst>
-  </p:cSld>
-  <p:clrMapOvr>
-    <a:masterClrMapping/>
-  </p:clrMapOvr>
-  <p:timing>
-    <p:tnLst>
-      <p:par>
-        <p:cTn id="1" dur="indefinite" restart="never" nodeType="tmRoot"/>
-      </p:par>
-    </p:tnLst>
-  </p:timing>
-</p:sld>
-</file>
-
-<file path=ppt/slides/slide4.xml><?xml version="1.0" encoding="utf-8"?>
-<p:sld xmlns:a="http://schemas.openxmlformats.org/drawingml/2006/main" xmlns:r="http://schemas.openxmlformats.org/officeDocument/2006/relationships" xmlns:p="http://schemas.openxmlformats.org/presentationml/2006/main">
-  <p:cSld>
-    <p:spTree>
-      <p:nvGrpSpPr>
-        <p:cNvPr id="1" name=""/>
-        <p:cNvGrpSpPr/>
-        <p:nvPr/>
-      </p:nvGrpSpPr>
-      <p:grpSpPr>
-        <a:xfrm>
-          <a:off x="0" y="0"/>
-          <a:ext cx="0" cy="0"/>
-          <a:chOff x="0" y="0"/>
-          <a:chExt cx="0" cy="0"/>
-        </a:xfrm>
-      </p:grpSpPr>
-      <p:sp>
-        <p:nvSpPr>
-          <p:cNvPr id="2" name="Titre 1"/>
-          <p:cNvSpPr>
-            <a:spLocks noGrp="1"/>
-          </p:cNvSpPr>
-          <p:nvPr>
-            <p:ph type="title"/>
-          </p:nvPr>
-        </p:nvSpPr>
-        <p:spPr/>
-        <p:txBody>
-          <a:bodyPr/>
-          <a:lstStyle/>
-          <a:p>
-            <a:r>
-              <a:rPr lang="fr-FR" dirty="0" smtClean="0"/>
-              <a:t>plot</a:t>
-            </a:r>
-            <a:endParaRPr lang="fr-FR" dirty="0"/>
-          </a:p>
-        </p:txBody>
-      </p:sp>
-      <p:sp>
-        <p:nvSpPr>
-          <p:cNvPr id="3" name="Espace réservé du contenu 2"/>
-          <p:cNvSpPr>
-            <a:spLocks noGrp="1"/>
-          </p:cNvSpPr>
-          <p:nvPr>
-            <p:ph idx="1"/>
-          </p:nvPr>
-        </p:nvSpPr>
-        <p:spPr/>
-        <p:txBody>
-          <a:bodyPr/>
-          <a:lstStyle/>
-          <a:p>
-            <a:r>
-              <a:rPr lang="fr-FR" dirty="0" smtClean="0"/>
-              <a:t>plot(</a:t>
-            </a:r>
-            <a:r>
-              <a:rPr lang="fr-FR" dirty="0" err="1" smtClean="0"/>
-              <a:t>x,y</a:t>
-            </a:r>
-            <a:r>
-              <a:rPr lang="fr-FR" dirty="0" smtClean="0"/>
-              <a:t>)</a:t>
-            </a:r>
-          </a:p>
-          <a:p>
-            <a:pPr lvl="1"/>
-            <a:r>
-              <a:rPr lang="fr-FR" dirty="0"/>
-              <a:t>x</a:t>
-            </a:r>
-            <a:r>
-              <a:rPr lang="fr-FR" dirty="0" smtClean="0"/>
-              <a:t> et y sont les listes à 1 dimension de même longueur</a:t>
-            </a:r>
-          </a:p>
-          <a:p>
-            <a:r>
-              <a:rPr lang="fr-FR" dirty="0"/>
-              <a:t>p</a:t>
-            </a:r>
-            <a:r>
-              <a:rPr lang="fr-FR" dirty="0" smtClean="0"/>
-              <a:t>lot(y)</a:t>
-            </a:r>
-          </a:p>
-          <a:p>
-            <a:pPr lvl="1"/>
-            <a:r>
-              <a:rPr lang="fr-FR" dirty="0"/>
-              <a:t>x</a:t>
-            </a:r>
-            <a:r>
-              <a:rPr lang="fr-FR" dirty="0" smtClean="0"/>
-              <a:t> sera un range[0,len(y)]</a:t>
-            </a:r>
-          </a:p>
-          <a:p>
-            <a:r>
-              <a:rPr lang="fr-FR" dirty="0"/>
-              <a:t>plot(x, y, '</a:t>
-            </a:r>
-            <a:r>
-              <a:rPr lang="fr-FR" dirty="0" err="1"/>
-              <a:t>bo</a:t>
-            </a:r>
-            <a:r>
-              <a:rPr lang="fr-FR" dirty="0" smtClean="0"/>
-              <a:t>')</a:t>
-            </a:r>
-          </a:p>
-          <a:p>
-            <a:pPr lvl="1"/>
-            <a:r>
-              <a:rPr lang="fr-FR" dirty="0" smtClean="0"/>
-              <a:t>Le troisième paramètre est le style</a:t>
-            </a:r>
-          </a:p>
-          <a:p>
-            <a:pPr lvl="1"/>
-            <a:r>
-              <a:rPr lang="fr-FR" dirty="0" smtClean="0"/>
-              <a:t>Le premier caractère est la couleur</a:t>
-            </a:r>
-          </a:p>
-          <a:p>
-            <a:pPr lvl="1"/>
-            <a:r>
-              <a:rPr lang="fr-FR" dirty="0" smtClean="0"/>
-              <a:t>Le 2</a:t>
-            </a:r>
-            <a:r>
-              <a:rPr lang="fr-FR" baseline="30000" dirty="0" smtClean="0"/>
-              <a:t>ème</a:t>
-            </a:r>
-            <a:r>
-              <a:rPr lang="fr-FR" dirty="0" smtClean="0"/>
-              <a:t> caractère est le style</a:t>
-            </a:r>
-            <a:endParaRPr lang="fr-FR" dirty="0"/>
-          </a:p>
-        </p:txBody>
-      </p:sp>
-      <p:pic>
-        <p:nvPicPr>
-          <p:cNvPr id="4" name="Image 3"/>
-          <p:cNvPicPr>
-            <a:picLocks noChangeAspect="1"/>
-          </p:cNvPicPr>
-          <p:nvPr/>
-        </p:nvPicPr>
-        <p:blipFill>
-          <a:blip r:embed="rId2"/>
-          <a:stretch>
-            <a:fillRect/>
-          </a:stretch>
-        </p:blipFill>
-        <p:spPr>
-          <a:xfrm>
-            <a:off x="5868144" y="3933056"/>
-            <a:ext cx="2571750" cy="2343150"/>
-          </a:xfrm>
-          <a:prstGeom prst="rect">
-            <a:avLst/>
-          </a:prstGeom>
-        </p:spPr>
-      </p:pic>
-    </p:spTree>
-    <p:extLst>
-      <p:ext uri="{BB962C8B-B14F-4D97-AF65-F5344CB8AC3E}">
-        <p14:creationId xmlns:p14="http://schemas.microsoft.com/office/powerpoint/2010/main" val="2417628871"/>
-      </p:ext>
-    </p:extLst>
-  </p:cSld>
-  <p:clrMapOvr>
-    <a:masterClrMapping/>
-  </p:clrMapOvr>
-  <p:timing>
-    <p:tnLst>
-      <p:par>
-        <p:cTn id="1" dur="indefinite" restart="never" nodeType="tmRoot"/>
-      </p:par>
-    </p:tnLst>
-  </p:timing>
-</p:sld>
-</file>
-
-<file path=ppt/slides/slide5.xml><?xml version="1.0" encoding="utf-8"?>
-<p:sld xmlns:a="http://schemas.openxmlformats.org/drawingml/2006/main" xmlns:r="http://schemas.openxmlformats.org/officeDocument/2006/relationships" xmlns:p="http://schemas.openxmlformats.org/presentationml/2006/main">
-  <p:cSld>
-    <p:spTree>
-      <p:nvGrpSpPr>
-        <p:cNvPr id="1" name=""/>
-        <p:cNvGrpSpPr/>
-        <p:nvPr/>
-      </p:nvGrpSpPr>
-      <p:grpSpPr>
-        <a:xfrm>
-          <a:off x="0" y="0"/>
-          <a:ext cx="0" cy="0"/>
-          <a:chOff x="0" y="0"/>
-          <a:chExt cx="0" cy="0"/>
-        </a:xfrm>
-      </p:grpSpPr>
-      <p:sp>
-        <p:nvSpPr>
-          <p:cNvPr id="2" name="Titre 1"/>
-          <p:cNvSpPr>
-            <a:spLocks noGrp="1"/>
-          </p:cNvSpPr>
-          <p:nvPr>
-            <p:ph type="title"/>
-          </p:nvPr>
-        </p:nvSpPr>
-        <p:spPr/>
-        <p:txBody>
-          <a:bodyPr/>
-          <a:lstStyle/>
-          <a:p>
-            <a:r>
-              <a:rPr lang="fr-FR" dirty="0" err="1" smtClean="0"/>
-              <a:t>subplot</a:t>
-            </a:r>
-            <a:endParaRPr lang="fr-FR" dirty="0"/>
-          </a:p>
-        </p:txBody>
-      </p:sp>
-      <p:sp>
-        <p:nvSpPr>
-          <p:cNvPr id="3" name="Espace réservé du contenu 2"/>
-          <p:cNvSpPr>
-            <a:spLocks noGrp="1"/>
-          </p:cNvSpPr>
-          <p:nvPr>
-            <p:ph idx="1"/>
-          </p:nvPr>
-        </p:nvSpPr>
-        <p:spPr/>
-        <p:txBody>
-          <a:bodyPr/>
-          <a:lstStyle/>
-          <a:p>
-            <a:r>
-              <a:rPr lang="fr-FR" dirty="0" smtClean="0"/>
-              <a:t>Permet d’avoir plusieurs graphiques</a:t>
-            </a:r>
-          </a:p>
-          <a:p>
-            <a:r>
-              <a:rPr lang="fr-FR" dirty="0" err="1" smtClean="0"/>
-              <a:t>Plt.subplot</a:t>
-            </a:r>
-            <a:r>
-              <a:rPr lang="fr-FR" dirty="0" smtClean="0"/>
-              <a:t>([</a:t>
-            </a:r>
-            <a:r>
-              <a:rPr lang="fr-FR" dirty="0" err="1" smtClean="0"/>
-              <a:t>nrows</a:t>
-            </a:r>
-            <a:r>
-              <a:rPr lang="fr-FR" dirty="0" smtClean="0"/>
-              <a:t>, </a:t>
-            </a:r>
-            <a:r>
-              <a:rPr lang="fr-FR" dirty="0" err="1" smtClean="0"/>
-              <a:t>ncols</a:t>
-            </a:r>
-            <a:r>
-              <a:rPr lang="fr-FR" smtClean="0"/>
-              <a:t>, index])</a:t>
-            </a:r>
-            <a:endParaRPr lang="fr-FR" dirty="0" smtClean="0"/>
-          </a:p>
-          <a:p>
-            <a:pPr lvl="1"/>
-            <a:r>
-              <a:rPr lang="fr-FR" dirty="0" err="1" smtClean="0"/>
-              <a:t>nrows</a:t>
-            </a:r>
-            <a:r>
-              <a:rPr lang="fr-FR" dirty="0" smtClean="0"/>
-              <a:t> = nombre de ligne</a:t>
-            </a:r>
-          </a:p>
-          <a:p>
-            <a:pPr lvl="1"/>
-            <a:r>
-              <a:rPr lang="fr-FR" dirty="0" err="1"/>
-              <a:t>n</a:t>
-            </a:r>
-            <a:r>
-              <a:rPr lang="fr-FR" dirty="0" err="1" smtClean="0"/>
-              <a:t>cols</a:t>
-            </a:r>
-            <a:r>
-              <a:rPr lang="fr-FR" dirty="0" smtClean="0"/>
-              <a:t> = nombre de colonne</a:t>
-            </a:r>
-          </a:p>
-          <a:p>
-            <a:pPr lvl="1"/>
-            <a:r>
-              <a:rPr lang="fr-FR" dirty="0"/>
-              <a:t>i</a:t>
-            </a:r>
-            <a:r>
-              <a:rPr lang="fr-FR" dirty="0" smtClean="0"/>
-              <a:t>ndex = position</a:t>
-            </a:r>
-          </a:p>
-          <a:p>
-            <a:r>
-              <a:rPr lang="fr-FR" dirty="0" err="1" smtClean="0"/>
-              <a:t>Scatter</a:t>
-            </a:r>
-            <a:endParaRPr lang="fr-FR" dirty="0" smtClean="0"/>
-          </a:p>
-          <a:p>
-            <a:pPr lvl="1"/>
-            <a:r>
-              <a:rPr lang="fr-FR" dirty="0" smtClean="0"/>
-              <a:t>Idem à plot sans relier les points entre eux</a:t>
-            </a:r>
-          </a:p>
-          <a:p>
-            <a:r>
-              <a:rPr lang="fr-FR" dirty="0" smtClean="0"/>
-              <a:t>Bar</a:t>
-            </a:r>
-          </a:p>
-          <a:p>
-            <a:pPr lvl="1"/>
-            <a:r>
-              <a:rPr lang="fr-FR" dirty="0" smtClean="0"/>
-              <a:t>Afficher des barres</a:t>
-            </a:r>
-            <a:endParaRPr lang="fr-FR" dirty="0"/>
-          </a:p>
-        </p:txBody>
-      </p:sp>
-      <p:pic>
-        <p:nvPicPr>
-          <p:cNvPr id="1026" name="Picture 2" descr="Les gains pour chaque joueur"/>
-          <p:cNvPicPr>
-            <a:picLocks noChangeAspect="1" noChangeArrowheads="1"/>
-          </p:cNvPicPr>
-          <p:nvPr/>
-        </p:nvPicPr>
-        <p:blipFill>
-          <a:blip r:embed="rId2">
-            <a:extLst>
-              <a:ext uri="{28A0092B-C50C-407E-A947-70E740481C1C}">
-                <a14:useLocalDpi xmlns:a14="http://schemas.microsoft.com/office/drawing/2010/main" val="0"/>
-              </a:ext>
-            </a:extLst>
-          </a:blip>
-          <a:srcRect/>
-          <a:stretch>
-            <a:fillRect/>
-          </a:stretch>
-        </p:blipFill>
-        <p:spPr bwMode="auto">
-          <a:xfrm>
-            <a:off x="3635896" y="5079930"/>
-            <a:ext cx="2483768" cy="1629973"/>
-          </a:xfrm>
-          <a:prstGeom prst="rect">
-            <a:avLst/>
-          </a:prstGeom>
-          <a:noFill/>
-          <a:extLst>
-            <a:ext uri="{909E8E84-426E-40DD-AFC4-6F175D3DCCD1}">
-              <a14:hiddenFill xmlns:a14="http://schemas.microsoft.com/office/drawing/2010/main">
-                <a:solidFill>
-                  <a:srgbClr val="FFFFFF"/>
-                </a:solidFill>
-              </a14:hiddenFill>
-            </a:ext>
-          </a:extLst>
-        </p:spPr>
-      </p:pic>
-    </p:spTree>
-    <p:extLst>
-      <p:ext uri="{BB962C8B-B14F-4D97-AF65-F5344CB8AC3E}">
-        <p14:creationId xmlns:p14="http://schemas.microsoft.com/office/powerpoint/2010/main" val="2623210362"/>
-      </p:ext>
-    </p:extLst>
-  </p:cSld>
-  <p:clrMapOvr>
-    <a:masterClrMapping/>
-  </p:clrMapOvr>
-  <p:timing>
-    <p:tnLst>
-      <p:par>
-        <p:cTn id="1" dur="indefinite" restart="never" nodeType="tmRoot"/>
-      </p:par>
-    </p:tnLst>
-  </p:timing>
-</p:sld>
-</file>
-
-<file path=ppt/slides/slide6.xml><?xml version="1.0" encoding="utf-8"?>
-<p:sld xmlns:a="http://schemas.openxmlformats.org/drawingml/2006/main" xmlns:r="http://schemas.openxmlformats.org/officeDocument/2006/relationships" xmlns:p="http://schemas.openxmlformats.org/presentationml/2006/main">
-  <p:cSld>
-    <p:spTree>
-      <p:nvGrpSpPr>
-        <p:cNvPr id="1" name=""/>
-        <p:cNvGrpSpPr/>
-        <p:nvPr/>
-      </p:nvGrpSpPr>
-      <p:grpSpPr>
-        <a:xfrm>
-          <a:off x="0" y="0"/>
-          <a:ext cx="0" cy="0"/>
-          <a:chOff x="0" y="0"/>
-          <a:chExt cx="0" cy="0"/>
-        </a:xfrm>
-      </p:grpSpPr>
-      <p:sp>
-        <p:nvSpPr>
-          <p:cNvPr id="2" name="Titre 1"/>
-          <p:cNvSpPr>
-            <a:spLocks noGrp="1"/>
-          </p:cNvSpPr>
-          <p:nvPr>
-            <p:ph type="title"/>
-          </p:nvPr>
-        </p:nvSpPr>
-        <p:spPr/>
-        <p:txBody>
-          <a:bodyPr/>
-          <a:lstStyle/>
-          <a:p>
-            <a:r>
-              <a:rPr lang="fr-FR" dirty="0" err="1" smtClean="0"/>
-              <a:t>subplot</a:t>
-            </a:r>
-            <a:endParaRPr lang="fr-FR" dirty="0"/>
-          </a:p>
-        </p:txBody>
-      </p:sp>
-      <p:sp>
-        <p:nvSpPr>
-          <p:cNvPr id="3" name="Espace réservé du contenu 2"/>
-          <p:cNvSpPr>
-            <a:spLocks noGrp="1"/>
-          </p:cNvSpPr>
-          <p:nvPr>
-            <p:ph idx="1"/>
-          </p:nvPr>
-        </p:nvSpPr>
-        <p:spPr/>
-        <p:txBody>
-          <a:bodyPr/>
-          <a:lstStyle/>
-          <a:p>
-            <a:endParaRPr lang="fr-FR" dirty="0"/>
-          </a:p>
-        </p:txBody>
-      </p:sp>
-      <p:pic>
-        <p:nvPicPr>
-          <p:cNvPr id="4098" name="Picture 2" descr="../../_images/subplots_demo_01.png"/>
-          <p:cNvPicPr>
-            <a:picLocks noChangeAspect="1" noChangeArrowheads="1"/>
-          </p:cNvPicPr>
-          <p:nvPr/>
-        </p:nvPicPr>
-        <p:blipFill>
-          <a:blip r:embed="rId2">
-            <a:extLst>
-              <a:ext uri="{28A0092B-C50C-407E-A947-70E740481C1C}">
-                <a14:useLocalDpi xmlns:a14="http://schemas.microsoft.com/office/drawing/2010/main" val="0"/>
-              </a:ext>
-            </a:extLst>
-          </a:blip>
-          <a:srcRect/>
-          <a:stretch>
-            <a:fillRect/>
-          </a:stretch>
-        </p:blipFill>
-        <p:spPr bwMode="auto">
-          <a:xfrm>
-            <a:off x="3905250" y="1146760"/>
-            <a:ext cx="5238750" cy="4286250"/>
-          </a:xfrm>
-          <a:prstGeom prst="rect">
-            <a:avLst/>
-          </a:prstGeom>
-          <a:noFill/>
-          <a:extLst>
-            <a:ext uri="{909E8E84-426E-40DD-AFC4-6F175D3DCCD1}">
-              <a14:hiddenFill xmlns:a14="http://schemas.microsoft.com/office/drawing/2010/main">
-                <a:solidFill>
-                  <a:srgbClr val="FFFFFF"/>
-                </a:solidFill>
-              </a14:hiddenFill>
-            </a:ext>
-          </a:extLst>
-        </p:spPr>
-      </p:pic>
-      <p:pic>
-        <p:nvPicPr>
-          <p:cNvPr id="4" name="Image 3"/>
-          <p:cNvPicPr>
-            <a:picLocks noChangeAspect="1"/>
-          </p:cNvPicPr>
-          <p:nvPr/>
-        </p:nvPicPr>
-        <p:blipFill>
-          <a:blip r:embed="rId3"/>
-          <a:stretch>
-            <a:fillRect/>
-          </a:stretch>
-        </p:blipFill>
-        <p:spPr>
-          <a:xfrm>
-            <a:off x="467544" y="3212976"/>
-            <a:ext cx="3633726" cy="1153367"/>
-          </a:xfrm>
-          <a:prstGeom prst="rect">
-            <a:avLst/>
-          </a:prstGeom>
-        </p:spPr>
-      </p:pic>
-    </p:spTree>
-    <p:extLst>
-      <p:ext uri="{BB962C8B-B14F-4D97-AF65-F5344CB8AC3E}">
-        <p14:creationId xmlns:p14="http://schemas.microsoft.com/office/powerpoint/2010/main" val="1471350067"/>
-      </p:ext>
-    </p:extLst>
-  </p:cSld>
-  <p:clrMapOvr>
-    <a:masterClrMapping/>
-  </p:clrMapOvr>
-  <p:timing>
-    <p:tnLst>
-      <p:par>
-        <p:cTn id="1" dur="indefinite" restart="never" nodeType="tmRoot"/>
-      </p:par>
-    </p:tnLst>
-  </p:timing>
-</p:sld>
-</file>
-
-<file path=ppt/slides/slide7.xml><?xml version="1.0" encoding="utf-8"?>
-<p:sld xmlns:a="http://schemas.openxmlformats.org/drawingml/2006/main" xmlns:r="http://schemas.openxmlformats.org/officeDocument/2006/relationships" xmlns:p="http://schemas.openxmlformats.org/presentationml/2006/main">
-  <p:cSld>
-    <p:spTree>
-      <p:nvGrpSpPr>
-        <p:cNvPr id="1" name=""/>
-        <p:cNvGrpSpPr/>
-        <p:nvPr/>
-      </p:nvGrpSpPr>
-      <p:grpSpPr>
-        <a:xfrm>
-          <a:off x="0" y="0"/>
-          <a:ext cx="0" cy="0"/>
-          <a:chOff x="0" y="0"/>
-          <a:chExt cx="0" cy="0"/>
-        </a:xfrm>
-      </p:grpSpPr>
-      <p:sp>
-        <p:nvSpPr>
-          <p:cNvPr id="2" name="Titre 1"/>
-          <p:cNvSpPr>
-            <a:spLocks noGrp="1"/>
-          </p:cNvSpPr>
-          <p:nvPr>
-            <p:ph type="title"/>
-          </p:nvPr>
-        </p:nvSpPr>
-        <p:spPr/>
-        <p:txBody>
-          <a:bodyPr/>
-          <a:lstStyle/>
-          <a:p>
-            <a:r>
-              <a:rPr lang="fr-FR" dirty="0" err="1" smtClean="0"/>
-              <a:t>subplot</a:t>
-            </a:r>
-            <a:endParaRPr lang="fr-FR" dirty="0"/>
-          </a:p>
-        </p:txBody>
-      </p:sp>
-      <p:pic>
-        <p:nvPicPr>
-          <p:cNvPr id="5124" name="Picture 4" descr="../../_images/subplots_demo_03.png"/>
-          <p:cNvPicPr>
-            <a:picLocks noGrp="1" noChangeAspect="1" noChangeArrowheads="1"/>
-          </p:cNvPicPr>
-          <p:nvPr>
-            <p:ph idx="1"/>
-          </p:nvPr>
-        </p:nvPicPr>
-        <p:blipFill>
-          <a:blip r:embed="rId2">
-            <a:extLst>
-              <a:ext uri="{28A0092B-C50C-407E-A947-70E740481C1C}">
-                <a14:useLocalDpi xmlns:a14="http://schemas.microsoft.com/office/drawing/2010/main" val="0"/>
-              </a:ext>
-            </a:extLst>
-          </a:blip>
-          <a:srcRect/>
-          <a:stretch>
-            <a:fillRect/>
-          </a:stretch>
-        </p:blipFill>
-        <p:spPr bwMode="auto">
-          <a:xfrm>
-            <a:off x="4355976" y="836712"/>
-            <a:ext cx="5029210" cy="4114808"/>
-          </a:xfrm>
-          <a:prstGeom prst="rect">
-            <a:avLst/>
-          </a:prstGeom>
-          <a:noFill/>
-          <a:extLst>
-            <a:ext uri="{909E8E84-426E-40DD-AFC4-6F175D3DCCD1}">
-              <a14:hiddenFill xmlns:a14="http://schemas.microsoft.com/office/drawing/2010/main">
-                <a:solidFill>
-                  <a:srgbClr val="FFFFFF"/>
-                </a:solidFill>
-              </a14:hiddenFill>
-            </a:ext>
-          </a:extLst>
-        </p:spPr>
-      </p:pic>
-      <p:pic>
-        <p:nvPicPr>
-          <p:cNvPr id="4" name="Image 3"/>
-          <p:cNvPicPr>
-            <a:picLocks noChangeAspect="1"/>
-          </p:cNvPicPr>
-          <p:nvPr/>
-        </p:nvPicPr>
-        <p:blipFill>
-          <a:blip r:embed="rId3"/>
-          <a:stretch>
-            <a:fillRect/>
-          </a:stretch>
-        </p:blipFill>
-        <p:spPr>
-          <a:xfrm>
-            <a:off x="-59603" y="2492896"/>
-            <a:ext cx="5162550" cy="1762125"/>
-          </a:xfrm>
-          <a:prstGeom prst="rect">
-            <a:avLst/>
-          </a:prstGeom>
-        </p:spPr>
-      </p:pic>
-    </p:spTree>
-    <p:extLst>
-      <p:ext uri="{BB962C8B-B14F-4D97-AF65-F5344CB8AC3E}">
-        <p14:creationId xmlns:p14="http://schemas.microsoft.com/office/powerpoint/2010/main" val="3855538345"/>
-      </p:ext>
-    </p:extLst>
-  </p:cSld>
-  <p:clrMapOvr>
-    <a:masterClrMapping/>
-  </p:clrMapOvr>
-  <p:timing>
-    <p:tnLst>
-      <p:par>
-        <p:cTn id="1" dur="indefinite" restart="never" nodeType="tmRoot"/>
-      </p:par>
-    </p:tnLst>
-  </p:timing>
-</p:sld>
-</file>
-
-<file path=ppt/slides/slide8.xml><?xml version="1.0" encoding="utf-8"?>
-<p:sld xmlns:a="http://schemas.openxmlformats.org/drawingml/2006/main" xmlns:r="http://schemas.openxmlformats.org/officeDocument/2006/relationships" xmlns:p="http://schemas.openxmlformats.org/presentationml/2006/main">
-  <p:cSld>
-    <p:spTree>
-      <p:nvGrpSpPr>
-        <p:cNvPr id="1" name=""/>
-        <p:cNvGrpSpPr/>
-        <p:nvPr/>
-      </p:nvGrpSpPr>
-      <p:grpSpPr>
-        <a:xfrm>
-          <a:off x="0" y="0"/>
-          <a:ext cx="0" cy="0"/>
-          <a:chOff x="0" y="0"/>
-          <a:chExt cx="0" cy="0"/>
-        </a:xfrm>
-      </p:grpSpPr>
-      <p:sp>
-        <p:nvSpPr>
-          <p:cNvPr id="2" name="Titre 1"/>
-          <p:cNvSpPr>
-            <a:spLocks noGrp="1"/>
-          </p:cNvSpPr>
-          <p:nvPr>
-            <p:ph type="title"/>
-          </p:nvPr>
-        </p:nvSpPr>
-        <p:spPr/>
-        <p:txBody>
-          <a:bodyPr/>
-          <a:lstStyle/>
-          <a:p>
-            <a:r>
-              <a:rPr lang="fr-FR" dirty="0" err="1" smtClean="0"/>
-              <a:t>subplot</a:t>
-            </a:r>
-            <a:endParaRPr lang="fr-FR" dirty="0"/>
-          </a:p>
-        </p:txBody>
-      </p:sp>
-      <p:pic>
-        <p:nvPicPr>
-          <p:cNvPr id="4" name="Espace réservé du contenu 3"/>
-          <p:cNvPicPr>
-            <a:picLocks noGrp="1" noChangeAspect="1"/>
-          </p:cNvPicPr>
-          <p:nvPr>
-            <p:ph idx="1"/>
-          </p:nvPr>
-        </p:nvPicPr>
-        <p:blipFill>
-          <a:blip r:embed="rId2"/>
-          <a:stretch>
-            <a:fillRect/>
-          </a:stretch>
-        </p:blipFill>
-        <p:spPr>
-          <a:xfrm>
-            <a:off x="251520" y="2348880"/>
-            <a:ext cx="3456384" cy="2265852"/>
-          </a:xfrm>
-          <a:prstGeom prst="rect">
-            <a:avLst/>
-          </a:prstGeom>
-        </p:spPr>
-      </p:pic>
-      <p:pic>
-        <p:nvPicPr>
-          <p:cNvPr id="6146" name="Picture 2" descr="../../_images/subplots_demo_05.png"/>
-          <p:cNvPicPr>
-            <a:picLocks noChangeAspect="1" noChangeArrowheads="1"/>
-          </p:cNvPicPr>
-          <p:nvPr/>
-        </p:nvPicPr>
-        <p:blipFill>
-          <a:blip r:embed="rId3">
-            <a:extLst>
-              <a:ext uri="{28A0092B-C50C-407E-A947-70E740481C1C}">
-                <a14:useLocalDpi xmlns:a14="http://schemas.microsoft.com/office/drawing/2010/main" val="0"/>
-              </a:ext>
-            </a:extLst>
-          </a:blip>
-          <a:srcRect/>
-          <a:stretch>
-            <a:fillRect/>
-          </a:stretch>
-        </p:blipFill>
-        <p:spPr bwMode="auto">
-          <a:xfrm>
-            <a:off x="3923703" y="1480765"/>
-            <a:ext cx="5238750" cy="4286250"/>
-          </a:xfrm>
-          <a:prstGeom prst="rect">
-            <a:avLst/>
-          </a:prstGeom>
-          <a:noFill/>
-          <a:extLst>
-            <a:ext uri="{909E8E84-426E-40DD-AFC4-6F175D3DCCD1}">
-              <a14:hiddenFill xmlns:a14="http://schemas.microsoft.com/office/drawing/2010/main">
-                <a:solidFill>
-                  <a:srgbClr val="FFFFFF"/>
-                </a:solidFill>
-              </a14:hiddenFill>
-            </a:ext>
-          </a:extLst>
-        </p:spPr>
-      </p:pic>
-    </p:spTree>
-    <p:extLst>
-      <p:ext uri="{BB962C8B-B14F-4D97-AF65-F5344CB8AC3E}">
-        <p14:creationId xmlns:p14="http://schemas.microsoft.com/office/powerpoint/2010/main" val="2290475104"/>
-      </p:ext>
-    </p:extLst>
-  </p:cSld>
-  <p:clrMapOvr>
-    <a:masterClrMapping/>
-  </p:clrMapOvr>
-  <p:timing>
-    <p:tnLst>
-      <p:par>
-        <p:cTn id="1" dur="indefinite" restart="never" nodeType="tmRoot"/>
-      </p:par>
-    </p:tnLst>
-  </p:timing>
-</p:sld>
-</file>
-
-<file path=ppt/slides/slide9.xml><?xml version="1.0" encoding="utf-8"?>
-<p:sld xmlns:a="http://schemas.openxmlformats.org/drawingml/2006/main" xmlns:r="http://schemas.openxmlformats.org/officeDocument/2006/relationships" xmlns:p="http://schemas.openxmlformats.org/presentationml/2006/main">
-  <p:cSld>
-    <p:spTree>
-      <p:nvGrpSpPr>
-        <p:cNvPr id="1" name=""/>
-        <p:cNvGrpSpPr/>
-        <p:nvPr/>
-      </p:nvGrpSpPr>
-      <p:grpSpPr>
-        <a:xfrm>
-          <a:off x="0" y="0"/>
-          <a:ext cx="0" cy="0"/>
-          <a:chOff x="0" y="0"/>
-          <a:chExt cx="0" cy="0"/>
-        </a:xfrm>
-      </p:grpSpPr>
-      <p:sp>
-        <p:nvSpPr>
-          <p:cNvPr id="2" name="Titre 1"/>
-          <p:cNvSpPr>
-            <a:spLocks noGrp="1"/>
-          </p:cNvSpPr>
-          <p:nvPr>
-            <p:ph type="title"/>
-          </p:nvPr>
-        </p:nvSpPr>
-        <p:spPr/>
-        <p:txBody>
-          <a:bodyPr/>
-          <a:lstStyle/>
-          <a:p>
-            <a:r>
-              <a:rPr lang="fr-FR" dirty="0" smtClean="0"/>
-              <a:t>show</a:t>
-            </a:r>
-            <a:endParaRPr lang="fr-FR" dirty="0"/>
-          </a:p>
-        </p:txBody>
-      </p:sp>
-      <p:sp>
-        <p:nvSpPr>
-          <p:cNvPr id="3" name="Espace réservé du contenu 2"/>
-          <p:cNvSpPr>
-            <a:spLocks noGrp="1"/>
-          </p:cNvSpPr>
-          <p:nvPr>
-            <p:ph idx="1"/>
-          </p:nvPr>
-        </p:nvSpPr>
-        <p:spPr/>
-        <p:txBody>
-          <a:bodyPr/>
-          <a:lstStyle/>
-          <a:p>
-            <a:r>
-              <a:rPr lang="fr-FR" dirty="0" smtClean="0"/>
-              <a:t>Il peut y avoir plusieurs commande par </a:t>
-            </a:r>
-            <a:r>
-              <a:rPr lang="fr-FR" dirty="0" err="1" smtClean="0"/>
-              <a:t>pyplot</a:t>
-            </a:r>
-            <a:endParaRPr lang="fr-FR" dirty="0" smtClean="0"/>
-          </a:p>
-          <a:p>
-            <a:pPr lvl="1"/>
-            <a:r>
-              <a:rPr lang="en-US" dirty="0"/>
-              <a:t>plot([1,2,3], [1,2,3], 'go-', label='line 1', linewidth=2)</a:t>
-            </a:r>
-          </a:p>
-          <a:p>
-            <a:pPr lvl="1"/>
-            <a:r>
-              <a:rPr lang="en-US" dirty="0"/>
-              <a:t>plot([1,2,3], [1,4,9], '</a:t>
-            </a:r>
-            <a:r>
-              <a:rPr lang="en-US" dirty="0" err="1"/>
-              <a:t>rs</a:t>
-            </a:r>
-            <a:r>
-              <a:rPr lang="en-US" dirty="0"/>
-              <a:t>',  label='line 2')</a:t>
-            </a:r>
-          </a:p>
-          <a:p>
-            <a:pPr lvl="1"/>
-            <a:r>
-              <a:rPr lang="en-US" dirty="0"/>
-              <a:t>axis([0, 4, 0, 10])</a:t>
-            </a:r>
-          </a:p>
-          <a:p>
-            <a:pPr lvl="1"/>
-            <a:r>
-              <a:rPr lang="en-US" dirty="0"/>
-              <a:t>legend</a:t>
-            </a:r>
-            <a:r>
-              <a:rPr lang="en-US" dirty="0" smtClean="0"/>
-              <a:t>()</a:t>
-            </a:r>
-            <a:endParaRPr lang="fr-FR" dirty="0"/>
-          </a:p>
-          <a:p>
-            <a:r>
-              <a:rPr lang="fr-FR" dirty="0" smtClean="0"/>
-              <a:t>Show() va calculer le graphique final</a:t>
-            </a:r>
-            <a:endParaRPr lang="fr-FR" dirty="0"/>
-          </a:p>
-        </p:txBody>
-      </p:sp>
-    </p:spTree>
-    <p:extLst>
-      <p:ext uri="{BB962C8B-B14F-4D97-AF65-F5344CB8AC3E}">
-        <p14:creationId xmlns:p14="http://schemas.microsoft.com/office/powerpoint/2010/main" val="1919918993"/>
       </p:ext>
     </p:extLst>
   </p:cSld>

--- a/PPT/DeepLearning03-MatPlotLib.pptx
+++ b/PPT/DeepLearning03-MatPlotLib.pptx
@@ -606,35 +606,35 @@
           <a:p>
             <a:pPr lvl="0"/>
             <a:r>
-              <a:rPr lang="fr-FR" noProof="0" smtClean="0"/>
+              <a:rPr lang="fr-FR" noProof="0"/>
               <a:t>Cliquez pour modifier les styles du texte du masque</a:t>
             </a:r>
           </a:p>
           <a:p>
             <a:pPr lvl="1"/>
             <a:r>
-              <a:rPr lang="fr-FR" noProof="0" smtClean="0"/>
+              <a:rPr lang="fr-FR" noProof="0"/>
               <a:t>Deuxième niveau</a:t>
             </a:r>
           </a:p>
           <a:p>
             <a:pPr lvl="2"/>
             <a:r>
-              <a:rPr lang="fr-FR" noProof="0" smtClean="0"/>
+              <a:rPr lang="fr-FR" noProof="0"/>
               <a:t>Troisième niveau</a:t>
             </a:r>
           </a:p>
           <a:p>
             <a:pPr lvl="3"/>
             <a:r>
-              <a:rPr lang="fr-FR" noProof="0" smtClean="0"/>
+              <a:rPr lang="fr-FR" noProof="0"/>
               <a:t>Quatrième niveau</a:t>
             </a:r>
           </a:p>
           <a:p>
             <a:pPr lvl="4"/>
             <a:r>
-              <a:rPr lang="fr-FR" noProof="0" smtClean="0"/>
+              <a:rPr lang="fr-FR" noProof="0"/>
               <a:t>Cinquième niveau</a:t>
             </a:r>
           </a:p>
@@ -922,10 +922,9 @@
           <a:lstStyle/>
           <a:p>
             <a:r>
-              <a:rPr lang="fr-FR" smtClean="0"/>
+              <a:rPr lang="fr-FR"/>
               <a:t>Cliquez pour modifier le style du titre</a:t>
             </a:r>
-            <a:endParaRPr lang="fr-FR"/>
           </a:p>
         </p:txBody>
       </p:sp>
@@ -987,10 +986,9 @@
           </a:lstStyle>
           <a:p>
             <a:r>
-              <a:rPr lang="fr-FR" smtClean="0"/>
+              <a:rPr lang="fr-FR"/>
               <a:t>Cliquez pour modifier le style des sous-titres du masque</a:t>
             </a:r>
-            <a:endParaRPr lang="fr-FR"/>
           </a:p>
         </p:txBody>
       </p:sp>
@@ -1045,10 +1043,9 @@
           <a:lstStyle/>
           <a:p>
             <a:r>
-              <a:rPr lang="fr-FR" smtClean="0"/>
+              <a:rPr lang="fr-FR"/>
               <a:t>Cliquez pour modifier le style du titre</a:t>
             </a:r>
-            <a:endParaRPr lang="fr-FR"/>
           </a:p>
         </p:txBody>
       </p:sp>
@@ -1074,38 +1071,37 @@
           <a:p>
             <a:pPr lvl="0"/>
             <a:r>
-              <a:rPr lang="fr-FR" smtClean="0"/>
+              <a:rPr lang="fr-FR"/>
               <a:t>Cliquez pour modifier les styles du texte du masque</a:t>
             </a:r>
           </a:p>
           <a:p>
             <a:pPr lvl="1"/>
             <a:r>
-              <a:rPr lang="fr-FR" smtClean="0"/>
+              <a:rPr lang="fr-FR"/>
               <a:t>Deuxième niveau</a:t>
             </a:r>
           </a:p>
           <a:p>
             <a:pPr lvl="2"/>
             <a:r>
-              <a:rPr lang="fr-FR" smtClean="0"/>
+              <a:rPr lang="fr-FR"/>
               <a:t>Troisième niveau</a:t>
             </a:r>
           </a:p>
           <a:p>
             <a:pPr lvl="3"/>
             <a:r>
-              <a:rPr lang="fr-FR" smtClean="0"/>
+              <a:rPr lang="fr-FR"/>
               <a:t>Quatrième niveau</a:t>
             </a:r>
           </a:p>
           <a:p>
             <a:pPr lvl="4"/>
             <a:r>
-              <a:rPr lang="fr-FR" smtClean="0"/>
+              <a:rPr lang="fr-FR"/>
               <a:t>Cinquième niveau</a:t>
             </a:r>
-            <a:endParaRPr lang="fr-FR"/>
           </a:p>
         </p:txBody>
       </p:sp>
@@ -1164,10 +1160,9 @@
           </a:lstStyle>
           <a:p>
             <a:r>
-              <a:rPr lang="fr-FR" dirty="0" smtClean="0"/>
+              <a:rPr lang="fr-FR" dirty="0"/>
               <a:t>Cliquez pour modifier le style du titre</a:t>
             </a:r>
-            <a:endParaRPr lang="fr-FR" dirty="0"/>
           </a:p>
         </p:txBody>
       </p:sp>
@@ -1193,38 +1188,37 @@
           <a:p>
             <a:pPr lvl="0"/>
             <a:r>
-              <a:rPr lang="fr-FR" dirty="0" smtClean="0"/>
+              <a:rPr lang="fr-FR" dirty="0"/>
               <a:t>Cliquez pour modifier les styles du texte du masque</a:t>
             </a:r>
           </a:p>
           <a:p>
             <a:pPr lvl="1"/>
             <a:r>
-              <a:rPr lang="fr-FR" dirty="0" smtClean="0"/>
+              <a:rPr lang="fr-FR" dirty="0"/>
               <a:t>Deuxième niveau</a:t>
             </a:r>
           </a:p>
           <a:p>
             <a:pPr lvl="2"/>
             <a:r>
-              <a:rPr lang="fr-FR" dirty="0" smtClean="0"/>
+              <a:rPr lang="fr-FR" dirty="0"/>
               <a:t>Troisième niveau</a:t>
             </a:r>
           </a:p>
           <a:p>
             <a:pPr lvl="3"/>
             <a:r>
-              <a:rPr lang="fr-FR" dirty="0" smtClean="0"/>
+              <a:rPr lang="fr-FR" dirty="0"/>
               <a:t>Quatrième niveau</a:t>
             </a:r>
           </a:p>
           <a:p>
             <a:pPr lvl="4"/>
             <a:r>
-              <a:rPr lang="fr-FR" dirty="0" smtClean="0"/>
+              <a:rPr lang="fr-FR" dirty="0"/>
               <a:t>Cinquième niveau</a:t>
             </a:r>
-            <a:endParaRPr lang="fr-FR" dirty="0"/>
           </a:p>
         </p:txBody>
       </p:sp>
@@ -1274,10 +1268,9 @@
           <a:lstStyle/>
           <a:p>
             <a:r>
-              <a:rPr lang="fr-FR" smtClean="0"/>
+              <a:rPr lang="fr-FR"/>
               <a:t>Cliquez pour modifier le style du titre</a:t>
             </a:r>
-            <a:endParaRPr lang="fr-FR"/>
           </a:p>
         </p:txBody>
       </p:sp>
@@ -1331,38 +1324,37 @@
           <a:p>
             <a:pPr lvl="0"/>
             <a:r>
-              <a:rPr lang="fr-FR" smtClean="0"/>
+              <a:rPr lang="fr-FR"/>
               <a:t>Cliquez pour modifier les styles du texte du masque</a:t>
             </a:r>
           </a:p>
           <a:p>
             <a:pPr lvl="1"/>
             <a:r>
-              <a:rPr lang="fr-FR" smtClean="0"/>
+              <a:rPr lang="fr-FR"/>
               <a:t>Deuxième niveau</a:t>
             </a:r>
           </a:p>
           <a:p>
             <a:pPr lvl="2"/>
             <a:r>
-              <a:rPr lang="fr-FR" smtClean="0"/>
+              <a:rPr lang="fr-FR"/>
               <a:t>Troisième niveau</a:t>
             </a:r>
           </a:p>
           <a:p>
             <a:pPr lvl="3"/>
             <a:r>
-              <a:rPr lang="fr-FR" smtClean="0"/>
+              <a:rPr lang="fr-FR"/>
               <a:t>Quatrième niveau</a:t>
             </a:r>
           </a:p>
           <a:p>
             <a:pPr lvl="4"/>
             <a:r>
-              <a:rPr lang="fr-FR" smtClean="0"/>
+              <a:rPr lang="fr-FR"/>
               <a:t>Cinquième niveau</a:t>
             </a:r>
-            <a:endParaRPr lang="fr-FR"/>
           </a:p>
         </p:txBody>
       </p:sp>
@@ -1416,38 +1408,37 @@
           <a:p>
             <a:pPr lvl="0"/>
             <a:r>
-              <a:rPr lang="fr-FR" smtClean="0"/>
+              <a:rPr lang="fr-FR"/>
               <a:t>Cliquez pour modifier les styles du texte du masque</a:t>
             </a:r>
           </a:p>
           <a:p>
             <a:pPr lvl="1"/>
             <a:r>
-              <a:rPr lang="fr-FR" smtClean="0"/>
+              <a:rPr lang="fr-FR"/>
               <a:t>Deuxième niveau</a:t>
             </a:r>
           </a:p>
           <a:p>
             <a:pPr lvl="2"/>
             <a:r>
-              <a:rPr lang="fr-FR" smtClean="0"/>
+              <a:rPr lang="fr-FR"/>
               <a:t>Troisième niveau</a:t>
             </a:r>
           </a:p>
           <a:p>
             <a:pPr lvl="3"/>
             <a:r>
-              <a:rPr lang="fr-FR" smtClean="0"/>
+              <a:rPr lang="fr-FR"/>
               <a:t>Quatrième niveau</a:t>
             </a:r>
           </a:p>
           <a:p>
             <a:pPr lvl="4"/>
             <a:r>
-              <a:rPr lang="fr-FR" smtClean="0"/>
+              <a:rPr lang="fr-FR"/>
               <a:t>Cinquième niveau</a:t>
             </a:r>
-            <a:endParaRPr lang="fr-FR"/>
           </a:p>
         </p:txBody>
       </p:sp>
@@ -1506,10 +1497,9 @@
           </a:lstStyle>
           <a:p>
             <a:r>
-              <a:rPr lang="fr-FR" smtClean="0"/>
+              <a:rPr lang="fr-FR"/>
               <a:t>Cliquez pour modifier le style du titre</a:t>
             </a:r>
-            <a:endParaRPr lang="fr-FR"/>
           </a:p>
         </p:txBody>
       </p:sp>
@@ -1572,7 +1562,7 @@
           <a:p>
             <a:pPr lvl="0"/>
             <a:r>
-              <a:rPr lang="fr-FR" smtClean="0"/>
+              <a:rPr lang="fr-FR"/>
               <a:t>Cliquez pour modifier les styles du texte du masque</a:t>
             </a:r>
           </a:p>
@@ -1628,38 +1618,37 @@
           <a:p>
             <a:pPr lvl="0"/>
             <a:r>
-              <a:rPr lang="fr-FR" smtClean="0"/>
+              <a:rPr lang="fr-FR"/>
               <a:t>Cliquez pour modifier les styles du texte du masque</a:t>
             </a:r>
           </a:p>
           <a:p>
             <a:pPr lvl="1"/>
             <a:r>
-              <a:rPr lang="fr-FR" smtClean="0"/>
+              <a:rPr lang="fr-FR"/>
               <a:t>Deuxième niveau</a:t>
             </a:r>
           </a:p>
           <a:p>
             <a:pPr lvl="2"/>
             <a:r>
-              <a:rPr lang="fr-FR" smtClean="0"/>
+              <a:rPr lang="fr-FR"/>
               <a:t>Troisième niveau</a:t>
             </a:r>
           </a:p>
           <a:p>
             <a:pPr lvl="3"/>
             <a:r>
-              <a:rPr lang="fr-FR" smtClean="0"/>
+              <a:rPr lang="fr-FR"/>
               <a:t>Quatrième niveau</a:t>
             </a:r>
           </a:p>
           <a:p>
             <a:pPr lvl="4"/>
             <a:r>
-              <a:rPr lang="fr-FR" smtClean="0"/>
+              <a:rPr lang="fr-FR"/>
               <a:t>Cinquième niveau</a:t>
             </a:r>
-            <a:endParaRPr lang="fr-FR"/>
           </a:p>
         </p:txBody>
       </p:sp>
@@ -1722,7 +1711,7 @@
           <a:p>
             <a:pPr lvl="0"/>
             <a:r>
-              <a:rPr lang="fr-FR" smtClean="0"/>
+              <a:rPr lang="fr-FR"/>
               <a:t>Cliquez pour modifier les styles du texte du masque</a:t>
             </a:r>
           </a:p>
@@ -1778,38 +1767,37 @@
           <a:p>
             <a:pPr lvl="0"/>
             <a:r>
-              <a:rPr lang="fr-FR" smtClean="0"/>
+              <a:rPr lang="fr-FR"/>
               <a:t>Cliquez pour modifier les styles du texte du masque</a:t>
             </a:r>
           </a:p>
           <a:p>
             <a:pPr lvl="1"/>
             <a:r>
-              <a:rPr lang="fr-FR" smtClean="0"/>
+              <a:rPr lang="fr-FR"/>
               <a:t>Deuxième niveau</a:t>
             </a:r>
           </a:p>
           <a:p>
             <a:pPr lvl="2"/>
             <a:r>
-              <a:rPr lang="fr-FR" smtClean="0"/>
+              <a:rPr lang="fr-FR"/>
               <a:t>Troisième niveau</a:t>
             </a:r>
           </a:p>
           <a:p>
             <a:pPr lvl="3"/>
             <a:r>
-              <a:rPr lang="fr-FR" smtClean="0"/>
+              <a:rPr lang="fr-FR"/>
               <a:t>Quatrième niveau</a:t>
             </a:r>
           </a:p>
           <a:p>
             <a:pPr lvl="4"/>
             <a:r>
-              <a:rPr lang="fr-FR" smtClean="0"/>
+              <a:rPr lang="fr-FR"/>
               <a:t>Cinquième niveau</a:t>
             </a:r>
-            <a:endParaRPr lang="fr-FR"/>
           </a:p>
         </p:txBody>
       </p:sp>
@@ -1859,10 +1847,9 @@
           <a:lstStyle/>
           <a:p>
             <a:r>
-              <a:rPr lang="fr-FR" smtClean="0"/>
+              <a:rPr lang="fr-FR"/>
               <a:t>Cliquez pour modifier le style du titre</a:t>
             </a:r>
-            <a:endParaRPr lang="fr-FR"/>
           </a:p>
         </p:txBody>
       </p:sp>
@@ -1951,10 +1938,9 @@
           </a:lstStyle>
           <a:p>
             <a:r>
-              <a:rPr lang="fr-FR" smtClean="0"/>
+              <a:rPr lang="fr-FR"/>
               <a:t>Cliquez pour modifier le style du titre</a:t>
             </a:r>
-            <a:endParaRPr lang="fr-FR"/>
           </a:p>
         </p:txBody>
       </p:sp>
@@ -2008,38 +1994,37 @@
           <a:p>
             <a:pPr lvl="0"/>
             <a:r>
-              <a:rPr lang="fr-FR" smtClean="0"/>
+              <a:rPr lang="fr-FR"/>
               <a:t>Cliquez pour modifier les styles du texte du masque</a:t>
             </a:r>
           </a:p>
           <a:p>
             <a:pPr lvl="1"/>
             <a:r>
-              <a:rPr lang="fr-FR" smtClean="0"/>
+              <a:rPr lang="fr-FR"/>
               <a:t>Deuxième niveau</a:t>
             </a:r>
           </a:p>
           <a:p>
             <a:pPr lvl="2"/>
             <a:r>
-              <a:rPr lang="fr-FR" smtClean="0"/>
+              <a:rPr lang="fr-FR"/>
               <a:t>Troisième niveau</a:t>
             </a:r>
           </a:p>
           <a:p>
             <a:pPr lvl="3"/>
             <a:r>
-              <a:rPr lang="fr-FR" smtClean="0"/>
+              <a:rPr lang="fr-FR"/>
               <a:t>Quatrième niveau</a:t>
             </a:r>
           </a:p>
           <a:p>
             <a:pPr lvl="4"/>
             <a:r>
-              <a:rPr lang="fr-FR" smtClean="0"/>
+              <a:rPr lang="fr-FR"/>
               <a:t>Cinquième niveau</a:t>
             </a:r>
-            <a:endParaRPr lang="fr-FR"/>
           </a:p>
         </p:txBody>
       </p:sp>
@@ -2102,7 +2087,7 @@
           <a:p>
             <a:pPr lvl="0"/>
             <a:r>
-              <a:rPr lang="fr-FR" smtClean="0"/>
+              <a:rPr lang="fr-FR"/>
               <a:t>Cliquez pour modifier les styles du texte du masque</a:t>
             </a:r>
           </a:p>
@@ -2163,10 +2148,9 @@
           </a:lstStyle>
           <a:p>
             <a:r>
-              <a:rPr lang="fr-FR" smtClean="0"/>
+              <a:rPr lang="fr-FR"/>
               <a:t>Cliquez pour modifier le style du titre</a:t>
             </a:r>
-            <a:endParaRPr lang="fr-FR"/>
           </a:p>
         </p:txBody>
       </p:sp>
@@ -2228,7 +2212,7 @@
           </a:lstStyle>
           <a:p>
             <a:pPr lvl="0"/>
-            <a:endParaRPr lang="fr-FR" noProof="0" smtClean="0"/>
+            <a:endParaRPr lang="fr-FR" noProof="0"/>
           </a:p>
         </p:txBody>
       </p:sp>
@@ -2291,7 +2275,7 @@
           <a:p>
             <a:pPr lvl="0"/>
             <a:r>
-              <a:rPr lang="fr-FR" smtClean="0"/>
+              <a:rPr lang="fr-FR"/>
               <a:t>Cliquez pour modifier les styles du texte du masque</a:t>
             </a:r>
           </a:p>
@@ -2343,10 +2327,9 @@
           <a:lstStyle/>
           <a:p>
             <a:r>
-              <a:rPr lang="fr-FR" smtClean="0"/>
+              <a:rPr lang="fr-FR"/>
               <a:t>Cliquez pour modifier le style du titre</a:t>
             </a:r>
-            <a:endParaRPr lang="fr-FR"/>
           </a:p>
         </p:txBody>
       </p:sp>
@@ -2367,38 +2350,37 @@
           <a:p>
             <a:pPr lvl="0"/>
             <a:r>
-              <a:rPr lang="fr-FR" smtClean="0"/>
+              <a:rPr lang="fr-FR"/>
               <a:t>Cliquez pour modifier les styles du texte du masque</a:t>
             </a:r>
           </a:p>
           <a:p>
             <a:pPr lvl="1"/>
             <a:r>
-              <a:rPr lang="fr-FR" smtClean="0"/>
+              <a:rPr lang="fr-FR"/>
               <a:t>Deuxième niveau</a:t>
             </a:r>
           </a:p>
           <a:p>
             <a:pPr lvl="2"/>
             <a:r>
-              <a:rPr lang="fr-FR" smtClean="0"/>
+              <a:rPr lang="fr-FR"/>
               <a:t>Troisième niveau</a:t>
             </a:r>
           </a:p>
           <a:p>
             <a:pPr lvl="3"/>
             <a:r>
-              <a:rPr lang="fr-FR" smtClean="0"/>
+              <a:rPr lang="fr-FR"/>
               <a:t>Quatrième niveau</a:t>
             </a:r>
           </a:p>
           <a:p>
             <a:pPr lvl="4"/>
             <a:r>
-              <a:rPr lang="fr-FR" smtClean="0"/>
+              <a:rPr lang="fr-FR"/>
               <a:t>Cinquième niveau</a:t>
             </a:r>
-            <a:endParaRPr lang="fr-FR"/>
           </a:p>
         </p:txBody>
       </p:sp>
@@ -2579,7 +2561,7 @@
             <a:pPr eaLnBrk="1" hangingPunct="1">
               <a:defRPr/>
             </a:pPr>
-            <a:endParaRPr lang="fr-FR" altLang="fr-FR" smtClean="0"/>
+            <a:endParaRPr lang="fr-FR" altLang="fr-FR"/>
           </a:p>
         </p:txBody>
       </p:sp>
@@ -2733,7 +2715,7 @@
               <a:defRPr/>
             </a:pPr>
             <a:r>
-              <a:rPr lang="fr-FR" sz="1200" dirty="0" smtClean="0"/>
+              <a:rPr lang="fr-FR" sz="1200" dirty="0"/>
               <a:t>Page </a:t>
             </a:r>
             <a:fld id="{E218E9B1-FD08-4C80-902E-210BA2967D0D}" type="slidenum">
@@ -2746,7 +2728,7 @@
               </a:pPr>
               <a:t>‹N°›</a:t>
             </a:fld>
-            <a:endParaRPr lang="fr-FR" dirty="0" smtClean="0">
+            <a:endParaRPr lang="fr-FR" dirty="0">
               <a:latin typeface="Times New Roman" pitchFamily="18" charset="0"/>
             </a:endParaRPr>
           </a:p>
@@ -2902,10 +2884,10 @@
               <a:defRPr/>
             </a:pPr>
             <a:r>
-              <a:rPr lang="fr-FR" sz="1600" dirty="0" smtClean="0"/>
+              <a:rPr lang="fr-FR" sz="1600" dirty="0"/>
               <a:t>Python</a:t>
             </a:r>
-            <a:endParaRPr lang="fr-FR" dirty="0" smtClean="0">
+            <a:endParaRPr lang="fr-FR" dirty="0">
               <a:latin typeface="Times New Roman" pitchFamily="18" charset="0"/>
             </a:endParaRPr>
           </a:p>
@@ -2963,7 +2945,7 @@
           <a:p>
             <a:pPr lvl="0"/>
             <a:r>
-              <a:rPr lang="fr-FR" altLang="fr-FR" smtClean="0"/>
+              <a:rPr lang="fr-FR" altLang="fr-FR"/>
               <a:t>Cliquez pour modifier le style du titre du masque</a:t>
             </a:r>
           </a:p>
@@ -3021,35 +3003,35 @@
           <a:p>
             <a:pPr lvl="0"/>
             <a:r>
-              <a:rPr lang="fr-FR" altLang="fr-FR" smtClean="0"/>
+              <a:rPr lang="fr-FR" altLang="fr-FR"/>
               <a:t>Cliquez pour modifier les styles du texte du masque</a:t>
             </a:r>
           </a:p>
           <a:p>
             <a:pPr lvl="1"/>
             <a:r>
-              <a:rPr lang="fr-FR" altLang="fr-FR" smtClean="0"/>
+              <a:rPr lang="fr-FR" altLang="fr-FR"/>
               <a:t>Deuxième niveau</a:t>
             </a:r>
           </a:p>
           <a:p>
             <a:pPr lvl="2"/>
             <a:r>
-              <a:rPr lang="fr-FR" altLang="fr-FR" smtClean="0"/>
+              <a:rPr lang="fr-FR" altLang="fr-FR"/>
               <a:t>Troisième niveau</a:t>
             </a:r>
           </a:p>
           <a:p>
             <a:pPr lvl="3"/>
             <a:r>
-              <a:rPr lang="fr-FR" altLang="fr-FR" smtClean="0"/>
+              <a:rPr lang="fr-FR" altLang="fr-FR"/>
               <a:t>Quatrième niveau</a:t>
             </a:r>
           </a:p>
           <a:p>
             <a:pPr lvl="4"/>
             <a:r>
-              <a:rPr lang="fr-FR" altLang="fr-FR" smtClean="0"/>
+              <a:rPr lang="fr-FR" altLang="fr-FR"/>
               <a:t>Cinquième niveau</a:t>
             </a:r>
           </a:p>
@@ -3205,10 +3187,10 @@
               <a:defRPr/>
             </a:pPr>
             <a:r>
-              <a:rPr lang="fr-FR" sz="1200" smtClean="0"/>
+              <a:rPr lang="fr-FR" sz="1200"/>
               <a:t>© Cyril Vincent Conseil</a:t>
             </a:r>
-            <a:endParaRPr lang="fr-FR" smtClean="0">
+            <a:endParaRPr lang="fr-FR">
               <a:latin typeface="Times New Roman" pitchFamily="18" charset="0"/>
             </a:endParaRPr>
           </a:p>
@@ -3690,18 +3672,18 @@
           <a:p>
             <a:pPr eaLnBrk="1" hangingPunct="1"/>
             <a:r>
-              <a:rPr lang="fr-FR" altLang="fr-FR" smtClean="0"/>
+              <a:rPr lang="fr-FR" altLang="fr-FR"/>
               <a:t>Chapitre 3</a:t>
             </a:r>
-            <a:endParaRPr lang="fr-FR" altLang="fr-FR" dirty="0" smtClean="0"/>
+            <a:endParaRPr lang="fr-FR" altLang="fr-FR" dirty="0"/>
           </a:p>
           <a:p>
             <a:pPr eaLnBrk="1" hangingPunct="1"/>
             <a:r>
-              <a:rPr lang="fr-FR" altLang="fr-FR" dirty="0" err="1" smtClean="0"/>
+              <a:rPr lang="fr-FR" altLang="fr-FR" dirty="0" err="1"/>
               <a:t>MatPlotLib</a:t>
             </a:r>
-            <a:endParaRPr lang="fr-FR" altLang="fr-FR" dirty="0" smtClean="0"/>
+            <a:endParaRPr lang="fr-FR" altLang="fr-FR" dirty="0"/>
           </a:p>
         </p:txBody>
       </p:sp>
@@ -3752,10 +3734,9 @@
           <a:lstStyle/>
           <a:p>
             <a:r>
-              <a:rPr lang="fr-FR" sz="3600" dirty="0" smtClean="0"/>
+              <a:rPr lang="fr-FR" sz="3600" dirty="0"/>
               <a:t>Data Science</a:t>
             </a:r>
-            <a:endParaRPr lang="fr-FR" sz="3600" dirty="0"/>
           </a:p>
         </p:txBody>
       </p:sp>
@@ -3788,13 +3769,6 @@
   <p:clrMapOvr>
     <a:masterClrMapping/>
   </p:clrMapOvr>
-  <p:timing>
-    <p:tnLst>
-      <p:par>
-        <p:cTn id="1" dur="indefinite" restart="never" nodeType="tmRoot"/>
-      </p:par>
-    </p:tnLst>
-  </p:timing>
 </p:sld>
 </file>
 
@@ -3831,7 +3805,7 @@
           <a:lstStyle/>
           <a:p>
             <a:r>
-              <a:rPr lang="fr-FR" dirty="0" err="1" smtClean="0"/>
+              <a:rPr lang="fr-FR" dirty="0" err="1"/>
               <a:t>MatPlotLib</a:t>
             </a:r>
             <a:endParaRPr lang="fr-FR" dirty="0"/>
@@ -3854,66 +3828,66 @@
           <a:lstStyle/>
           <a:p>
             <a:r>
-              <a:rPr lang="fr-FR" dirty="0" smtClean="0"/>
+              <a:rPr lang="fr-FR" dirty="0"/>
               <a:t>Package graphique 2D</a:t>
             </a:r>
           </a:p>
           <a:p>
             <a:r>
-              <a:rPr lang="fr-FR" dirty="0" smtClean="0"/>
+              <a:rPr lang="fr-FR" dirty="0"/>
               <a:t>Module Python</a:t>
             </a:r>
           </a:p>
           <a:p>
             <a:pPr lvl="1"/>
             <a:r>
-              <a:rPr lang="fr-FR" dirty="0" smtClean="0"/>
+              <a:rPr lang="fr-FR" dirty="0"/>
               <a:t>Disponible dans Anaconda</a:t>
             </a:r>
           </a:p>
           <a:p>
             <a:pPr lvl="1"/>
             <a:r>
-              <a:rPr lang="fr-FR" dirty="0" err="1" smtClean="0"/>
+              <a:rPr lang="fr-FR" dirty="0" err="1"/>
               <a:t>Pip</a:t>
             </a:r>
             <a:r>
-              <a:rPr lang="fr-FR" dirty="0" smtClean="0"/>
+              <a:rPr lang="fr-FR" dirty="0"/>
               <a:t> </a:t>
             </a:r>
             <a:r>
-              <a:rPr lang="fr-FR" dirty="0" err="1" smtClean="0"/>
+              <a:rPr lang="fr-FR" dirty="0" err="1"/>
               <a:t>install</a:t>
             </a:r>
             <a:r>
-              <a:rPr lang="fr-FR" dirty="0" smtClean="0"/>
+              <a:rPr lang="fr-FR" dirty="0"/>
               <a:t> </a:t>
             </a:r>
             <a:r>
-              <a:rPr lang="fr-FR" dirty="0" err="1" smtClean="0"/>
+              <a:rPr lang="fr-FR" dirty="0" err="1"/>
               <a:t>matplotlib</a:t>
             </a:r>
-            <a:endParaRPr lang="fr-FR" dirty="0" smtClean="0"/>
+            <a:endParaRPr lang="fr-FR" dirty="0"/>
           </a:p>
           <a:p>
             <a:pPr lvl="1"/>
             <a:r>
-              <a:rPr lang="fr-FR" dirty="0" smtClean="0"/>
+              <a:rPr lang="fr-FR" dirty="0"/>
               <a:t>import </a:t>
             </a:r>
             <a:r>
-              <a:rPr lang="fr-FR" dirty="0" err="1" smtClean="0"/>
+              <a:rPr lang="fr-FR" dirty="0" err="1"/>
               <a:t>matplotlib.pyplot</a:t>
             </a:r>
             <a:r>
-              <a:rPr lang="fr-FR" dirty="0" smtClean="0"/>
+              <a:rPr lang="fr-FR" dirty="0"/>
               <a:t> as </a:t>
             </a:r>
             <a:r>
-              <a:rPr lang="fr-FR" dirty="0" err="1" smtClean="0"/>
+              <a:rPr lang="fr-FR" dirty="0" err="1"/>
               <a:t>plt</a:t>
             </a:r>
-            <a:endParaRPr lang="fr-FR" dirty="0" smtClean="0"/>
+            <a:endParaRPr lang="fr-FR" dirty="0"/>
           </a:p>
         </p:txBody>
       </p:sp>
@@ -3951,13 +3925,6 @@
   <p:clrMapOvr>
     <a:masterClrMapping/>
   </p:clrMapOvr>
-  <p:timing>
-    <p:tnLst>
-      <p:par>
-        <p:cTn id="1" dur="indefinite" restart="never" nodeType="tmRoot"/>
-      </p:par>
-    </p:tnLst>
-  </p:timing>
 </p:sld>
 </file>
 
@@ -4007,7 +3974,12 @@
             <p:ph idx="1"/>
           </p:nvPr>
         </p:nvSpPr>
-        <p:spPr/>
+        <p:spPr>
+          <a:xfrm>
+            <a:off x="251520" y="1412776"/>
+            <a:ext cx="8766051" cy="5040560"/>
+          </a:xfrm>
+        </p:spPr>
         <p:txBody>
           <a:bodyPr/>
           <a:lstStyle/>
@@ -4050,13 +4022,6 @@
   <p:clrMapOvr>
     <a:masterClrMapping/>
   </p:clrMapOvr>
-  <p:timing>
-    <p:tnLst>
-      <p:par>
-        <p:cTn id="1" dur="indefinite" restart="never" nodeType="tmRoot"/>
-      </p:par>
-    </p:tnLst>
-  </p:timing>
 </p:sld>
 </file>
 
